--- a/project/Vision Assist.pptx
+++ b/project/Vision Assist.pptx
@@ -225,7 +225,7 @@
           <a:p>
             <a:fld id="{59088EAF-6ECA-4616-85EF-35AA19C641F3}" type="datetimeFigureOut">
               <a:rPr lang="en-US"/>
-              <a:t>6/20/2024</a:t>
+              <a:t>7/18/2024</a:t>
             </a:fld>
             <a:endParaRPr/>
           </a:p>
@@ -390,7 +390,7 @@
           <a:p>
             <a:fld id="{3ABD2D7A-D230-4F91-BD59-0A39C2703BA8}" type="datetimeFigureOut">
               <a:rPr lang="en-US"/>
-              <a:t>6/20/2024</a:t>
+              <a:t>7/18/2024</a:t>
             </a:fld>
             <a:endParaRPr/>
           </a:p>
@@ -1004,7 +1004,7 @@
           <a:p>
             <a:fld id="{03F41C87-7AD9-4845-A077-840E4A0F3F06}" type="datetimeFigureOut">
               <a:rPr lang="en-US"/>
-              <a:t>6/20/2024</a:t>
+              <a:t>7/18/2024</a:t>
             </a:fld>
             <a:endParaRPr/>
           </a:p>
@@ -1196,7 +1196,7 @@
           <a:p>
             <a:fld id="{03F41C87-7AD9-4845-A077-840E4A0F3F06}" type="datetimeFigureOut">
               <a:rPr lang="en-US"/>
-              <a:t>6/20/2024</a:t>
+              <a:t>7/18/2024</a:t>
             </a:fld>
             <a:endParaRPr/>
           </a:p>
@@ -1385,7 +1385,7 @@
           <a:p>
             <a:fld id="{03F41C87-7AD9-4845-A077-840E4A0F3F06}" type="datetimeFigureOut">
               <a:rPr lang="en-US"/>
-              <a:t>6/20/2024</a:t>
+              <a:t>7/18/2024</a:t>
             </a:fld>
             <a:endParaRPr/>
           </a:p>
@@ -1665,7 +1665,7 @@
           <a:p>
             <a:fld id="{03F41C87-7AD9-4845-A077-840E4A0F3F06}" type="datetimeFigureOut">
               <a:rPr lang="en-US"/>
-              <a:t>6/20/2024</a:t>
+              <a:t>7/18/2024</a:t>
             </a:fld>
             <a:endParaRPr/>
           </a:p>
@@ -1969,7 +1969,7 @@
           <a:p>
             <a:fld id="{03F41C87-7AD9-4845-A077-840E4A0F3F06}" type="datetimeFigureOut">
               <a:rPr lang="en-US"/>
-              <a:t>6/20/2024</a:t>
+              <a:t>7/18/2024</a:t>
             </a:fld>
             <a:endParaRPr/>
           </a:p>
@@ -2425,7 +2425,7 @@
           <a:p>
             <a:fld id="{03F41C87-7AD9-4845-A077-840E4A0F3F06}" type="datetimeFigureOut">
               <a:rPr lang="en-US"/>
-              <a:t>6/20/2024</a:t>
+              <a:t>7/18/2024</a:t>
             </a:fld>
             <a:endParaRPr/>
           </a:p>
@@ -2555,7 +2555,7 @@
           <a:p>
             <a:fld id="{03F41C87-7AD9-4845-A077-840E4A0F3F06}" type="datetimeFigureOut">
               <a:rPr lang="en-US"/>
-              <a:t>6/20/2024</a:t>
+              <a:t>7/18/2024</a:t>
             </a:fld>
             <a:endParaRPr/>
           </a:p>
@@ -2670,7 +2670,7 @@
           <a:p>
             <a:fld id="{03F41C87-7AD9-4845-A077-840E4A0F3F06}" type="datetimeFigureOut">
               <a:rPr lang="en-US"/>
-              <a:t>6/20/2024</a:t>
+              <a:t>7/18/2024</a:t>
             </a:fld>
             <a:endParaRPr/>
           </a:p>
@@ -2992,7 +2992,7 @@
           <a:p>
             <a:fld id="{03F41C87-7AD9-4845-A077-840E4A0F3F06}" type="datetimeFigureOut">
               <a:rPr lang="en-US"/>
-              <a:t>6/20/2024</a:t>
+              <a:t>7/18/2024</a:t>
             </a:fld>
             <a:endParaRPr/>
           </a:p>
@@ -3304,7 +3304,7 @@
             <a:fld id="{03F41C87-7AD9-4845-A077-840E4A0F3F06}" type="datetimeFigureOut">
               <a:rPr lang="en-US"/>
               <a:pPr/>
-              <a:t>6/20/2024</a:t>
+              <a:t>7/18/2024</a:t>
             </a:fld>
             <a:endParaRPr/>
           </a:p>
@@ -3558,7 +3558,7 @@
             <a:fld id="{03F41C87-7AD9-4845-A077-840E4A0F3F06}" type="datetimeFigureOut">
               <a:rPr lang="en-US" smtClean="0"/>
               <a:pPr/>
-              <a:t>6/20/2024</a:t>
+              <a:t>7/18/2024</a:t>
             </a:fld>
             <a:endParaRPr lang="en-US"/>
           </a:p>
@@ -4090,15 +4090,6 @@
               </a:rPr>
               <a:t>AGENDA</a:t>
             </a:r>
-            <a:endParaRPr lang="en-US" b="1" dirty="0">
-              <a:effectLst>
-                <a:outerShdw blurRad="38100" dist="38100" dir="2700000" algn="tl">
-                  <a:srgbClr val="000000">
-                    <a:alpha val="43137"/>
-                  </a:srgbClr>
-                </a:outerShdw>
-              </a:effectLst>
-            </a:endParaRPr>
           </a:p>
         </p:txBody>
       </p:sp>
@@ -4151,7 +4142,6 @@
               <a:rPr lang="en-US" dirty="0"/>
               <a:t>Conclusion &amp; Insights</a:t>
             </a:r>
-            <a:endParaRPr lang="en-US" dirty="0"/>
           </a:p>
         </p:txBody>
       </p:sp>
@@ -4279,7 +4269,15 @@
             </a:r>
             <a:r>
               <a:rPr lang="en-US" dirty="0"/>
-              <a:t>app leverages technologies such as object detection, facial recognition, depth estimation, and natural language processing to provide real-time assistance.   </a:t>
+              <a:t>app leverages technologies such as object detection, facial </a:t>
+            </a:r>
+            <a:r>
+              <a:rPr lang="en-US" dirty="0" smtClean="0"/>
+              <a:t>recognition </a:t>
+            </a:r>
+            <a:r>
+              <a:rPr lang="en-US" dirty="0"/>
+              <a:t>and natural language processing to provide real-time assistance.   </a:t>
             </a:r>
             <a:endParaRPr lang="en-US" dirty="0" smtClean="0"/>
           </a:p>
@@ -4861,15 +4859,32 @@
           </a:p>
         </p:txBody>
       </p:sp>
+      <p:sp>
+        <p:nvSpPr>
+          <p:cNvPr id="3" name="Content Placeholder 2"/>
+          <p:cNvSpPr>
+            <a:spLocks noGrp="1"/>
+          </p:cNvSpPr>
+          <p:nvPr>
+            <p:ph idx="1"/>
+          </p:nvPr>
+        </p:nvSpPr>
+        <p:spPr/>
+        <p:txBody>
+          <a:bodyPr/>
+          <a:lstStyle/>
+          <a:p>
+            <a:endParaRPr lang="en-US"/>
+          </a:p>
+        </p:txBody>
+      </p:sp>
       <p:pic>
         <p:nvPicPr>
-          <p:cNvPr id="4" name="Content Placeholder 3"/>
+          <p:cNvPr id="5" name="Picture 4"/>
           <p:cNvPicPr>
-            <a:picLocks noGrp="1" noChangeAspect="1"/>
+            <a:picLocks noChangeAspect="1"/>
           </p:cNvPicPr>
-          <p:nvPr>
-            <p:ph idx="1"/>
-          </p:nvPr>
+          <p:nvPr/>
         </p:nvPicPr>
         <p:blipFill>
           <a:blip r:embed="rId2"/>
@@ -4879,8 +4894,8 @@
         </p:blipFill>
         <p:spPr>
           <a:xfrm>
-            <a:off x="1053852" y="1268760"/>
-            <a:ext cx="8964486" cy="4728905"/>
+            <a:off x="333772" y="980728"/>
+            <a:ext cx="11291344" cy="5661665"/>
           </a:xfrm>
           <a:prstGeom prst="rect">
             <a:avLst/>
@@ -5246,7 +5261,18 @@
             </a:r>
             <a:r>
               <a:rPr lang="en-US" dirty="0"/>
-              <a:t>aims to bridge the gap between traditional aids and modern technology, offering a comprehensive solution to enhance the independence and safety of visually impaired individuals.    By integrating advanced AI and computer vision technologies, </a:t>
+              <a:t>aims to bridge the gap between traditional aids and modern technology, offering a comprehensive solution to enhance the independence and safety of visually impaired individuals.    </a:t>
+            </a:r>
+            <a:endParaRPr lang="en-US" dirty="0" smtClean="0"/>
+          </a:p>
+          <a:p>
+            <a:r>
+              <a:rPr lang="en-US" dirty="0" smtClean="0"/>
+              <a:t>By </a:t>
+            </a:r>
+            <a:r>
+              <a:rPr lang="en-US" dirty="0"/>
+              <a:t>integrating advanced AI and computer vision technologies, </a:t>
             </a:r>
             <a:r>
               <a:rPr lang="en-US" dirty="0" smtClean="0"/>
@@ -5254,11 +5280,26 @@
             </a:r>
             <a:r>
               <a:rPr lang="en-US" dirty="0"/>
-              <a:t>provides real-time assistance in various aspects of daily life, significantly improving the quality of life for its users.    Continuous improvements and user feedback will drive the evolution of </a:t>
-            </a:r>
+              <a:t>provides real-time assistance in various aspects of daily life, significantly improving the quality of life for its users.    </a:t>
+            </a:r>
+            <a:endParaRPr lang="en-US" dirty="0" smtClean="0"/>
+          </a:p>
+          <a:p>
             <a:r>
               <a:rPr lang="en-US" dirty="0" smtClean="0"/>
-              <a:t>Vision Assist, </a:t>
+              <a:t>Continuous </a:t>
+            </a:r>
+            <a:r>
+              <a:rPr lang="en-US" dirty="0"/>
+              <a:t>improvements and user feedback will drive the evolution of </a:t>
+            </a:r>
+            <a:r>
+              <a:rPr lang="en-US" dirty="0" smtClean="0"/>
+              <a:t> Vision </a:t>
+            </a:r>
+            <a:r>
+              <a:rPr lang="en-US" dirty="0" smtClean="0"/>
+              <a:t>Assist, </a:t>
             </a:r>
             <a:r>
               <a:rPr lang="en-US" dirty="0"/>
